--- a/Named-Data-Net/PPT/Neighbor_Cooperation_Based_In-Network.pptx
+++ b/Named-Data-Net/PPT/Neighbor_Cooperation_Based_In-Network.pptx
@@ -237,7 +237,7 @@
           <a:p>
             <a:fld id="{BAB97E51-E427-4ACE-A482-015806134BAA}" type="datetimeFigureOut">
               <a:rPr lang="ko-KR" altLang="en-US" smtClean="0"/>
-              <a:t>2023-08-07</a:t>
+              <a:t>2023-08-08</a:t>
             </a:fld>
             <a:endParaRPr lang="ko-KR" altLang="en-US"/>
           </a:p>
@@ -651,7 +651,7 @@
           <a:p>
             <a:fld id="{2449B460-6749-4E70-B13D-B84D895949FF}" type="datetime1">
               <a:rPr lang="ko-KR" altLang="en-US" smtClean="0"/>
-              <a:t>2023-08-07</a:t>
+              <a:t>2023-08-08</a:t>
             </a:fld>
             <a:endParaRPr lang="ko-KR" altLang="en-US"/>
           </a:p>
@@ -870,7 +870,7 @@
           <a:p>
             <a:fld id="{92B4B20E-652B-4F60-BE07-24F8AD924D62}" type="datetime1">
               <a:rPr lang="ko-KR" altLang="en-US" smtClean="0"/>
-              <a:t>2023-08-07</a:t>
+              <a:t>2023-08-08</a:t>
             </a:fld>
             <a:endParaRPr lang="ko-KR" altLang="en-US"/>
           </a:p>
@@ -1078,7 +1078,7 @@
           <a:p>
             <a:fld id="{59EDC7B4-1AE1-427E-B7FE-391206F48BE0}" type="datetime1">
               <a:rPr lang="ko-KR" altLang="en-US" smtClean="0"/>
-              <a:t>2023-08-07</a:t>
+              <a:t>2023-08-08</a:t>
             </a:fld>
             <a:endParaRPr lang="ko-KR" altLang="en-US"/>
           </a:p>
@@ -1276,7 +1276,7 @@
           <a:p>
             <a:fld id="{2AE3C021-F84F-4F2C-9D30-1509F357F51F}" type="datetime1">
               <a:rPr lang="ko-KR" altLang="en-US" smtClean="0"/>
-              <a:t>2023-08-07</a:t>
+              <a:t>2023-08-08</a:t>
             </a:fld>
             <a:endParaRPr lang="ko-KR" altLang="en-US"/>
           </a:p>
@@ -1551,7 +1551,7 @@
           <a:p>
             <a:fld id="{484B05B9-04AE-4972-B50A-E9891E1494A6}" type="datetime1">
               <a:rPr lang="ko-KR" altLang="en-US" smtClean="0"/>
-              <a:t>2023-08-07</a:t>
+              <a:t>2023-08-08</a:t>
             </a:fld>
             <a:endParaRPr lang="ko-KR" altLang="en-US"/>
           </a:p>
@@ -1816,7 +1816,7 @@
           <a:p>
             <a:fld id="{402727CD-92C4-465C-9DBA-E5CD3A35887D}" type="datetime1">
               <a:rPr lang="ko-KR" altLang="en-US" smtClean="0"/>
-              <a:t>2023-08-07</a:t>
+              <a:t>2023-08-08</a:t>
             </a:fld>
             <a:endParaRPr lang="ko-KR" altLang="en-US"/>
           </a:p>
@@ -2228,7 +2228,7 @@
           <a:p>
             <a:fld id="{05B3B641-2E79-439A-8F79-68EA085D9053}" type="datetime1">
               <a:rPr lang="ko-KR" altLang="en-US" smtClean="0"/>
-              <a:t>2023-08-07</a:t>
+              <a:t>2023-08-08</a:t>
             </a:fld>
             <a:endParaRPr lang="ko-KR" altLang="en-US"/>
           </a:p>
@@ -2369,7 +2369,7 @@
           <a:p>
             <a:fld id="{A7F04D54-8E43-4E7E-B8A1-C218E338CD28}" type="datetime1">
               <a:rPr lang="ko-KR" altLang="en-US" smtClean="0"/>
-              <a:t>2023-08-07</a:t>
+              <a:t>2023-08-08</a:t>
             </a:fld>
             <a:endParaRPr lang="ko-KR" altLang="en-US"/>
           </a:p>
@@ -2482,7 +2482,7 @@
           <a:p>
             <a:fld id="{B34C2BE8-3549-4F19-A18C-BF32B5B77313}" type="datetime1">
               <a:rPr lang="ko-KR" altLang="en-US" smtClean="0"/>
-              <a:t>2023-08-07</a:t>
+              <a:t>2023-08-08</a:t>
             </a:fld>
             <a:endParaRPr lang="ko-KR" altLang="en-US"/>
           </a:p>
@@ -2793,7 +2793,7 @@
           <a:p>
             <a:fld id="{664FB09C-A850-4101-96C2-327BB8EA9EB0}" type="datetime1">
               <a:rPr lang="ko-KR" altLang="en-US" smtClean="0"/>
-              <a:t>2023-08-07</a:t>
+              <a:t>2023-08-08</a:t>
             </a:fld>
             <a:endParaRPr lang="ko-KR" altLang="en-US"/>
           </a:p>
@@ -3081,7 +3081,7 @@
           <a:p>
             <a:fld id="{E33D87E4-B1AE-484B-83F2-C827A5C91BDD}" type="datetime1">
               <a:rPr lang="ko-KR" altLang="en-US" smtClean="0"/>
-              <a:t>2023-08-07</a:t>
+              <a:t>2023-08-08</a:t>
             </a:fld>
             <a:endParaRPr lang="ko-KR" altLang="en-US"/>
           </a:p>
@@ -3322,7 +3322,7 @@
           <a:p>
             <a:fld id="{B8003EF2-14D2-49D7-9E2B-0A9A451D6AE1}" type="datetime1">
               <a:rPr lang="ko-KR" altLang="en-US" smtClean="0"/>
-              <a:t>2023-08-07</a:t>
+              <a:t>2023-08-08</a:t>
             </a:fld>
             <a:endParaRPr lang="ko-KR" altLang="en-US"/>
           </a:p>
@@ -6877,7 +6877,7 @@
         <p:spPr>
           <a:xfrm>
             <a:off x="206187" y="2618846"/>
-            <a:ext cx="11842378" cy="1894621"/>
+            <a:ext cx="11842378" cy="2817951"/>
           </a:xfrm>
           <a:prstGeom prst="rect">
             <a:avLst/>
@@ -6922,17 +6922,30 @@
               <a:buChar char="•"/>
             </a:pPr>
             <a:r>
-              <a:rPr lang="ko-KR" altLang="en-US" sz="2000" b="1" dirty="0">
-                <a:solidFill>
-                  <a:schemeClr val="tx1">
-                    <a:lumMod val="50000"/>
-                    <a:lumOff val="50000"/>
-                  </a:schemeClr>
-                </a:solidFill>
-                <a:latin typeface="한컴 고딕" panose="02000500000000000000" pitchFamily="2" charset="-127"/>
-                <a:ea typeface="한컴 고딕" panose="02000500000000000000" pitchFamily="2" charset="-127"/>
-              </a:rPr>
-              <a:t>컨텐츠를 선택하는 기준에 대한 기법도 </a:t>
+              <a:rPr lang="en-US" altLang="ko-KR" sz="2000" b="1" dirty="0">
+                <a:solidFill>
+                  <a:schemeClr val="tx1">
+                    <a:lumMod val="50000"/>
+                    <a:lumOff val="50000"/>
+                  </a:schemeClr>
+                </a:solidFill>
+                <a:latin typeface="한컴 고딕" panose="02000500000000000000" pitchFamily="2" charset="-127"/>
+                <a:ea typeface="한컴 고딕" panose="02000500000000000000" pitchFamily="2" charset="-127"/>
+              </a:rPr>
+              <a:t>MPC </a:t>
+            </a:r>
+            <a:r>
+              <a:rPr lang="ko-KR" altLang="en-US" sz="2000" b="1" dirty="0">
+                <a:solidFill>
+                  <a:schemeClr val="tx1">
+                    <a:lumMod val="50000"/>
+                    <a:lumOff val="50000"/>
+                  </a:schemeClr>
+                </a:solidFill>
+                <a:latin typeface="한컴 고딕" panose="02000500000000000000" pitchFamily="2" charset="-127"/>
+                <a:ea typeface="한컴 고딕" panose="02000500000000000000" pitchFamily="2" charset="-127"/>
+              </a:rPr>
+              <a:t>기법에 대한 내용을 정리할 때 특정 노드에 인기도가 높은 콘텐츠가 몰려 부하가 발생할 수 있다는 문제점을 파악하여 인접 노드에 데이터를 분산하여 </a:t>
             </a:r>
             <a:r>
               <a:rPr lang="ko-KR" altLang="en-US" sz="2000" b="1" dirty="0" err="1">
@@ -6945,20 +6958,133 @@
                 <a:latin typeface="한컴 고딕" panose="02000500000000000000" pitchFamily="2" charset="-127"/>
                 <a:ea typeface="한컴 고딕" panose="02000500000000000000" pitchFamily="2" charset="-127"/>
               </a:rPr>
-              <a:t>캐싱</a:t>
-            </a:r>
-            <a:r>
-              <a:rPr lang="ko-KR" altLang="en-US" sz="2000" b="1" dirty="0">
-                <a:solidFill>
-                  <a:schemeClr val="tx1">
-                    <a:lumMod val="50000"/>
-                    <a:lumOff val="50000"/>
-                  </a:schemeClr>
-                </a:solidFill>
-                <a:latin typeface="한컴 고딕" panose="02000500000000000000" pitchFamily="2" charset="-127"/>
-                <a:ea typeface="한컴 고딕" panose="02000500000000000000" pitchFamily="2" charset="-127"/>
-              </a:rPr>
-              <a:t> 효율을 높일 수 있는 방법이지만</a:t>
+              <a:t>캐싱하는</a:t>
+            </a:r>
+            <a:r>
+              <a:rPr lang="ko-KR" altLang="en-US" sz="2000" b="1" dirty="0">
+                <a:solidFill>
+                  <a:schemeClr val="tx1">
+                    <a:lumMod val="50000"/>
+                    <a:lumOff val="50000"/>
+                  </a:schemeClr>
+                </a:solidFill>
+                <a:latin typeface="한컴 고딕" panose="02000500000000000000" pitchFamily="2" charset="-127"/>
+                <a:ea typeface="한컴 고딕" panose="02000500000000000000" pitchFamily="2" charset="-127"/>
+              </a:rPr>
+              <a:t> 기법인 </a:t>
+            </a:r>
+            <a:r>
+              <a:rPr lang="en-US" altLang="ko-KR" sz="2000" b="1" dirty="0">
+                <a:solidFill>
+                  <a:schemeClr val="tx1">
+                    <a:lumMod val="50000"/>
+                    <a:lumOff val="50000"/>
+                  </a:schemeClr>
+                </a:solidFill>
+                <a:latin typeface="한컴 고딕" panose="02000500000000000000" pitchFamily="2" charset="-127"/>
+                <a:ea typeface="한컴 고딕" panose="02000500000000000000" pitchFamily="2" charset="-127"/>
+              </a:rPr>
+              <a:t>NCBIC</a:t>
+            </a:r>
+            <a:r>
+              <a:rPr lang="ko-KR" altLang="en-US" sz="2000" b="1" dirty="0">
+                <a:solidFill>
+                  <a:schemeClr val="tx1">
+                    <a:lumMod val="50000"/>
+                    <a:lumOff val="50000"/>
+                  </a:schemeClr>
+                </a:solidFill>
+                <a:latin typeface="한컴 고딕" panose="02000500000000000000" pitchFamily="2" charset="-127"/>
+                <a:ea typeface="한컴 고딕" panose="02000500000000000000" pitchFamily="2" charset="-127"/>
+              </a:rPr>
+              <a:t>에 대해 탐구하였다</a:t>
+            </a:r>
+            <a:r>
+              <a:rPr lang="en-US" altLang="ko-KR" sz="2000" b="1" dirty="0">
+                <a:solidFill>
+                  <a:schemeClr val="tx1">
+                    <a:lumMod val="50000"/>
+                    <a:lumOff val="50000"/>
+                  </a:schemeClr>
+                </a:solidFill>
+                <a:latin typeface="한컴 고딕" panose="02000500000000000000" pitchFamily="2" charset="-127"/>
+                <a:ea typeface="한컴 고딕" panose="02000500000000000000" pitchFamily="2" charset="-127"/>
+              </a:rPr>
+              <a:t>.</a:t>
+            </a:r>
+          </a:p>
+          <a:p>
+            <a:pPr marL="342900" indent="-342900">
+              <a:lnSpc>
+                <a:spcPct val="150000"/>
+              </a:lnSpc>
+              <a:buFont typeface="Arial" panose="020B0604020202020204" pitchFamily="34" charset="0"/>
+              <a:buChar char="•"/>
+            </a:pPr>
+            <a:r>
+              <a:rPr lang="ko-KR" altLang="en-US" sz="2000" b="1" dirty="0">
+                <a:solidFill>
+                  <a:schemeClr val="tx1">
+                    <a:lumMod val="50000"/>
+                    <a:lumOff val="50000"/>
+                  </a:schemeClr>
+                </a:solidFill>
+                <a:latin typeface="한컴 고딕" panose="02000500000000000000" pitchFamily="2" charset="-127"/>
+                <a:ea typeface="한컴 고딕" panose="02000500000000000000" pitchFamily="2" charset="-127"/>
+              </a:rPr>
+              <a:t>하지만 </a:t>
+            </a:r>
+            <a:r>
+              <a:rPr lang="en-US" altLang="ko-KR" sz="2000" b="1" dirty="0">
+                <a:solidFill>
+                  <a:schemeClr val="tx1">
+                    <a:lumMod val="50000"/>
+                    <a:lumOff val="50000"/>
+                  </a:schemeClr>
+                </a:solidFill>
+                <a:latin typeface="한컴 고딕" panose="02000500000000000000" pitchFamily="2" charset="-127"/>
+                <a:ea typeface="한컴 고딕" panose="02000500000000000000" pitchFamily="2" charset="-127"/>
+              </a:rPr>
+              <a:t>NCBIC </a:t>
+            </a:r>
+            <a:r>
+              <a:rPr lang="ko-KR" altLang="en-US" sz="2000" b="1" dirty="0">
+                <a:solidFill>
+                  <a:schemeClr val="tx1">
+                    <a:lumMod val="50000"/>
+                    <a:lumOff val="50000"/>
+                  </a:schemeClr>
+                </a:solidFill>
+                <a:latin typeface="한컴 고딕" panose="02000500000000000000" pitchFamily="2" charset="-127"/>
+                <a:ea typeface="한컴 고딕" panose="02000500000000000000" pitchFamily="2" charset="-127"/>
+              </a:rPr>
+              <a:t>기법 또한 인기도의 크기가 크고 콘텐츠의 용량이 매우 높다면 인접 노드에 데이터를 분산하더라도 인기도가 일반적인 콘텐츠들은 </a:t>
+            </a:r>
+            <a:r>
+              <a:rPr lang="ko-KR" altLang="en-US" sz="2000" b="1" dirty="0" err="1">
+                <a:solidFill>
+                  <a:schemeClr val="tx1">
+                    <a:lumMod val="50000"/>
+                    <a:lumOff val="50000"/>
+                  </a:schemeClr>
+                </a:solidFill>
+                <a:latin typeface="한컴 고딕" panose="02000500000000000000" pitchFamily="2" charset="-127"/>
+                <a:ea typeface="한컴 고딕" panose="02000500000000000000" pitchFamily="2" charset="-127"/>
+              </a:rPr>
+              <a:t>캐싱을</a:t>
+            </a:r>
+            <a:r>
+              <a:rPr lang="ko-KR" altLang="en-US" sz="2000" b="1" dirty="0">
+                <a:solidFill>
+                  <a:schemeClr val="tx1">
+                    <a:lumMod val="50000"/>
+                    <a:lumOff val="50000"/>
+                  </a:schemeClr>
+                </a:solidFill>
+                <a:latin typeface="한컴 고딕" panose="02000500000000000000" pitchFamily="2" charset="-127"/>
+                <a:ea typeface="한컴 고딕" panose="02000500000000000000" pitchFamily="2" charset="-127"/>
+              </a:rPr>
+              <a:t> 할 수 없다는 문제점이 있다고 생각하게 되어</a:t>
             </a:r>
             <a:r>
               <a:rPr lang="en-US" altLang="ko-KR" sz="2000" b="1" dirty="0">
@@ -6984,59 +7110,7 @@
                 <a:latin typeface="한컴 고딕" panose="02000500000000000000" pitchFamily="2" charset="-127"/>
                 <a:ea typeface="한컴 고딕" panose="02000500000000000000" pitchFamily="2" charset="-127"/>
               </a:rPr>
-              <a:t>컨텐츠를 분산 시키는 방법 또한 </a:t>
-            </a:r>
-            <a:r>
-              <a:rPr lang="ko-KR" altLang="en-US" sz="2000" b="1" dirty="0" err="1">
-                <a:solidFill>
-                  <a:schemeClr val="tx1">
-                    <a:lumMod val="50000"/>
-                    <a:lumOff val="50000"/>
-                  </a:schemeClr>
-                </a:solidFill>
-                <a:latin typeface="한컴 고딕" panose="02000500000000000000" pitchFamily="2" charset="-127"/>
-                <a:ea typeface="한컴 고딕" panose="02000500000000000000" pitchFamily="2" charset="-127"/>
-              </a:rPr>
-              <a:t>캐싱</a:t>
-            </a:r>
-            <a:r>
-              <a:rPr lang="ko-KR" altLang="en-US" sz="2000" b="1" dirty="0">
-                <a:solidFill>
-                  <a:schemeClr val="tx1">
-                    <a:lumMod val="50000"/>
-                    <a:lumOff val="50000"/>
-                  </a:schemeClr>
-                </a:solidFill>
-                <a:latin typeface="한컴 고딕" panose="02000500000000000000" pitchFamily="2" charset="-127"/>
-                <a:ea typeface="한컴 고딕" panose="02000500000000000000" pitchFamily="2" charset="-127"/>
-              </a:rPr>
-              <a:t> 효율을 높일 수 있다는 사실을 알게 되었다</a:t>
-            </a:r>
-            <a:r>
-              <a:rPr lang="en-US" altLang="ko-KR" sz="2000" b="1" dirty="0">
-                <a:solidFill>
-                  <a:schemeClr val="tx1">
-                    <a:lumMod val="50000"/>
-                    <a:lumOff val="50000"/>
-                  </a:schemeClr>
-                </a:solidFill>
-                <a:latin typeface="한컴 고딕" panose="02000500000000000000" pitchFamily="2" charset="-127"/>
-                <a:ea typeface="한컴 고딕" panose="02000500000000000000" pitchFamily="2" charset="-127"/>
-              </a:rPr>
-              <a:t>. </a:t>
-            </a:r>
-            <a:r>
-              <a:rPr lang="ko-KR" altLang="en-US" sz="2000" b="1" dirty="0">
-                <a:solidFill>
-                  <a:schemeClr val="tx1">
-                    <a:lumMod val="50000"/>
-                    <a:lumOff val="50000"/>
-                  </a:schemeClr>
-                </a:solidFill>
-                <a:latin typeface="한컴 고딕" panose="02000500000000000000" pitchFamily="2" charset="-127"/>
-                <a:ea typeface="한컴 고딕" panose="02000500000000000000" pitchFamily="2" charset="-127"/>
-              </a:rPr>
-              <a:t>차후 논문 주제에 대한 아이디어를 생각함에 있어 컨텐츠를 분산시켜 저장하는 기법에 대해서 연구를 진행해도 좋을 것 같다는 생각을 했다</a:t>
+              <a:t>한번에 저장할 수 있는 콘텐츠의 용량을 제한하면 성능이 향상될 것 같다는 생각을 하게 되었다</a:t>
             </a:r>
             <a:r>
               <a:rPr lang="en-US" altLang="ko-KR" sz="2000" b="1">
@@ -11774,12 +11848,6 @@
 </file>
 
 <file path=customXml/item1.xml><?xml version="1.0" encoding="utf-8"?>
-<p:properties xmlns:p="http://schemas.microsoft.com/office/2006/metadata/properties" xmlns:xsi="http://www.w3.org/2001/XMLSchema-instance" xmlns:pc="http://schemas.microsoft.com/office/infopath/2007/PartnerControls">
-  <documentManagement/>
-</p:properties>
-</file>
-
-<file path=customXml/item2.xml><?xml version="1.0" encoding="utf-8"?>
 <ct:contentTypeSchema xmlns:ct="http://schemas.microsoft.com/office/2006/metadata/contentType" xmlns:ma="http://schemas.microsoft.com/office/2006/metadata/properties/metaAttributes" ct:_="" ma:_="" ma:contentTypeName="문서" ma:contentTypeID="0x010100E4927A4037DBD641A85992FBC73A8B40" ma:contentTypeVersion="2" ma:contentTypeDescription="새 문서를 만듭니다." ma:contentTypeScope="" ma:versionID="785516272148627df98f01afb93c3ec0">
   <xsd:schema xmlns:xsd="http://www.w3.org/2001/XMLSchema" xmlns:xs="http://www.w3.org/2001/XMLSchema" xmlns:p="http://schemas.microsoft.com/office/2006/metadata/properties" xmlns:ns3="8163f15b-5006-406c-85c3-8b9bf000eef1" targetNamespace="http://schemas.microsoft.com/office/2006/metadata/properties" ma:root="true" ma:fieldsID="3387be2b6cc6ac182b5d48e801aa7a71" ns3:_="">
     <xsd:import namespace="8163f15b-5006-406c-85c3-8b9bf000eef1"/>
@@ -11911,6 +11979,12 @@
 </ct:contentTypeSchema>
 </file>
 
+<file path=customXml/item2.xml><?xml version="1.0" encoding="utf-8"?>
+<p:properties xmlns:p="http://schemas.microsoft.com/office/2006/metadata/properties" xmlns:xsi="http://www.w3.org/2001/XMLSchema-instance" xmlns:pc="http://schemas.microsoft.com/office/infopath/2007/PartnerControls">
+  <documentManagement/>
+</p:properties>
+</file>
+
 <file path=customXml/item3.xml><?xml version="1.0" encoding="utf-8"?>
 <?mso-contentType ?>
 <FormTemplates xmlns="http://schemas.microsoft.com/sharepoint/v3/contenttype/forms">
@@ -11921,22 +11995,6 @@
 </file>
 
 <file path=customXml/itemProps1.xml><?xml version="1.0" encoding="utf-8"?>
-<ds:datastoreItem xmlns:ds="http://schemas.openxmlformats.org/officeDocument/2006/customXml" ds:itemID="{77F7A99E-4399-4A80-972F-A96848332908}">
-  <ds:schemaRefs>
-    <ds:schemaRef ds:uri="http://purl.org/dc/terms/"/>
-    <ds:schemaRef ds:uri="http://www.w3.org/XML/1998/namespace"/>
-    <ds:schemaRef ds:uri="http://purl.org/dc/elements/1.1/"/>
-    <ds:schemaRef ds:uri="http://purl.org/dc/dcmitype/"/>
-    <ds:schemaRef ds:uri="http://schemas.microsoft.com/office/infopath/2007/PartnerControls"/>
-    <ds:schemaRef ds:uri="http://schemas.microsoft.com/office/2006/metadata/properties"/>
-    <ds:schemaRef ds:uri="http://schemas.microsoft.com/office/2006/documentManagement/types"/>
-    <ds:schemaRef ds:uri="http://schemas.openxmlformats.org/package/2006/metadata/core-properties"/>
-    <ds:schemaRef ds:uri="8163f15b-5006-406c-85c3-8b9bf000eef1"/>
-  </ds:schemaRefs>
-</ds:datastoreItem>
-</file>
-
-<file path=customXml/itemProps2.xml><?xml version="1.0" encoding="utf-8"?>
 <ds:datastoreItem xmlns:ds="http://schemas.openxmlformats.org/officeDocument/2006/customXml" ds:itemID="{B23CD78E-FDBA-45D3-A74E-F9DB3B758C5E}">
   <ds:schemaRefs>
     <ds:schemaRef ds:uri="http://schemas.microsoft.com/office/2006/metadata/contentType"/>
@@ -11954,6 +12012,22 @@
 </ds:datastoreItem>
 </file>
 
+<file path=customXml/itemProps2.xml><?xml version="1.0" encoding="utf-8"?>
+<ds:datastoreItem xmlns:ds="http://schemas.openxmlformats.org/officeDocument/2006/customXml" ds:itemID="{77F7A99E-4399-4A80-972F-A96848332908}">
+  <ds:schemaRefs>
+    <ds:schemaRef ds:uri="http://purl.org/dc/terms/"/>
+    <ds:schemaRef ds:uri="http://www.w3.org/XML/1998/namespace"/>
+    <ds:schemaRef ds:uri="http://purl.org/dc/elements/1.1/"/>
+    <ds:schemaRef ds:uri="http://purl.org/dc/dcmitype/"/>
+    <ds:schemaRef ds:uri="http://schemas.microsoft.com/office/infopath/2007/PartnerControls"/>
+    <ds:schemaRef ds:uri="http://schemas.microsoft.com/office/2006/metadata/properties"/>
+    <ds:schemaRef ds:uri="http://schemas.microsoft.com/office/2006/documentManagement/types"/>
+    <ds:schemaRef ds:uri="http://schemas.openxmlformats.org/package/2006/metadata/core-properties"/>
+    <ds:schemaRef ds:uri="8163f15b-5006-406c-85c3-8b9bf000eef1"/>
+  </ds:schemaRefs>
+</ds:datastoreItem>
+</file>
+
 <file path=customXml/itemProps3.xml><?xml version="1.0" encoding="utf-8"?>
 <ds:datastoreItem xmlns:ds="http://schemas.openxmlformats.org/officeDocument/2006/customXml" ds:itemID="{4F4AD1C9-2958-46E3-9F6B-F7BA68A8F8FC}">
   <ds:schemaRefs>
